--- a/Presentations/DevMeeting20120208_stablemaster.pptx
+++ b/Presentations/DevMeeting20120208_stablemaster.pptx
@@ -303,7 +303,7 @@
           <a:p>
             <a:fld id="{36399C6D-8DB6-8F45-BFA2-F16C8FA0D9CE}" type="datetimeFigureOut">
               <a:rPr lang="en-US" smtClean="0"/>
-              <a:t>2/6/13</a:t>
+              <a:t>2/7/13</a:t>
             </a:fld>
             <a:endParaRPr lang="en-US"/>
           </a:p>
@@ -473,7 +473,7 @@
           <a:p>
             <a:fld id="{36399C6D-8DB6-8F45-BFA2-F16C8FA0D9CE}" type="datetimeFigureOut">
               <a:rPr lang="en-US" smtClean="0"/>
-              <a:t>2/6/13</a:t>
+              <a:t>2/7/13</a:t>
             </a:fld>
             <a:endParaRPr lang="en-US"/>
           </a:p>
@@ -653,7 +653,7 @@
           <a:p>
             <a:fld id="{36399C6D-8DB6-8F45-BFA2-F16C8FA0D9CE}" type="datetimeFigureOut">
               <a:rPr lang="en-US" smtClean="0"/>
-              <a:t>2/6/13</a:t>
+              <a:t>2/7/13</a:t>
             </a:fld>
             <a:endParaRPr lang="en-US"/>
           </a:p>
@@ -823,7 +823,7 @@
           <a:p>
             <a:fld id="{36399C6D-8DB6-8F45-BFA2-F16C8FA0D9CE}" type="datetimeFigureOut">
               <a:rPr lang="en-US" smtClean="0"/>
-              <a:t>2/6/13</a:t>
+              <a:t>2/7/13</a:t>
             </a:fld>
             <a:endParaRPr lang="en-US"/>
           </a:p>
@@ -1069,7 +1069,7 @@
           <a:p>
             <a:fld id="{36399C6D-8DB6-8F45-BFA2-F16C8FA0D9CE}" type="datetimeFigureOut">
               <a:rPr lang="en-US" smtClean="0"/>
-              <a:t>2/6/13</a:t>
+              <a:t>2/7/13</a:t>
             </a:fld>
             <a:endParaRPr lang="en-US"/>
           </a:p>
@@ -1357,7 +1357,7 @@
           <a:p>
             <a:fld id="{36399C6D-8DB6-8F45-BFA2-F16C8FA0D9CE}" type="datetimeFigureOut">
               <a:rPr lang="en-US" smtClean="0"/>
-              <a:t>2/6/13</a:t>
+              <a:t>2/7/13</a:t>
             </a:fld>
             <a:endParaRPr lang="en-US"/>
           </a:p>
@@ -1779,7 +1779,7 @@
           <a:p>
             <a:fld id="{36399C6D-8DB6-8F45-BFA2-F16C8FA0D9CE}" type="datetimeFigureOut">
               <a:rPr lang="en-US" smtClean="0"/>
-              <a:t>2/6/13</a:t>
+              <a:t>2/7/13</a:t>
             </a:fld>
             <a:endParaRPr lang="en-US"/>
           </a:p>
@@ -1897,7 +1897,7 @@
           <a:p>
             <a:fld id="{36399C6D-8DB6-8F45-BFA2-F16C8FA0D9CE}" type="datetimeFigureOut">
               <a:rPr lang="en-US" smtClean="0"/>
-              <a:t>2/6/13</a:t>
+              <a:t>2/7/13</a:t>
             </a:fld>
             <a:endParaRPr lang="en-US"/>
           </a:p>
@@ -1992,7 +1992,7 @@
           <a:p>
             <a:fld id="{36399C6D-8DB6-8F45-BFA2-F16C8FA0D9CE}" type="datetimeFigureOut">
               <a:rPr lang="en-US" smtClean="0"/>
-              <a:t>2/6/13</a:t>
+              <a:t>2/7/13</a:t>
             </a:fld>
             <a:endParaRPr lang="en-US"/>
           </a:p>
@@ -2269,7 +2269,7 @@
           <a:p>
             <a:fld id="{36399C6D-8DB6-8F45-BFA2-F16C8FA0D9CE}" type="datetimeFigureOut">
               <a:rPr lang="en-US" smtClean="0"/>
-              <a:t>2/6/13</a:t>
+              <a:t>2/7/13</a:t>
             </a:fld>
             <a:endParaRPr lang="en-US"/>
           </a:p>
@@ -2522,7 +2522,7 @@
           <a:p>
             <a:fld id="{36399C6D-8DB6-8F45-BFA2-F16C8FA0D9CE}" type="datetimeFigureOut">
               <a:rPr lang="en-US" smtClean="0"/>
-              <a:t>2/6/13</a:t>
+              <a:t>2/7/13</a:t>
             </a:fld>
             <a:endParaRPr lang="en-US"/>
           </a:p>
@@ -2735,7 +2735,7 @@
           <a:p>
             <a:fld id="{36399C6D-8DB6-8F45-BFA2-F16C8FA0D9CE}" type="datetimeFigureOut">
               <a:rPr lang="en-US" smtClean="0"/>
-              <a:t>2/6/13</a:t>
+              <a:t>2/7/13</a:t>
             </a:fld>
             <a:endParaRPr lang="en-US"/>
           </a:p>
@@ -3809,7 +3809,7 @@
           <a:p>
             <a:r>
               <a:rPr lang="en-US" dirty="0" smtClean="0"/>
-              <a:t>Suggestions</a:t>
+              <a:t>Recommendations</a:t>
             </a:r>
             <a:endParaRPr lang="en-US" dirty="0"/>
           </a:p>
@@ -4584,11 +4584,7 @@
             </a:r>
             <a:r>
               <a:rPr lang="en-US" dirty="0" smtClean="0"/>
-              <a:t> </a:t>
-            </a:r>
-            <a:r>
-              <a:rPr lang="en-US" dirty="0" smtClean="0"/>
-              <a:t>– latest stable release</a:t>
+              <a:t> – latest stable release</a:t>
             </a:r>
           </a:p>
           <a:p>
@@ -4598,11 +4594,7 @@
             </a:r>
             <a:r>
               <a:rPr lang="en-US" dirty="0" smtClean="0"/>
-              <a:t> </a:t>
-            </a:r>
-            <a:r>
-              <a:rPr lang="en-US" dirty="0" smtClean="0"/>
-              <a:t>– latest successful system tested build of master</a:t>
+              <a:t> – latest successful system tested build of master</a:t>
             </a:r>
           </a:p>
           <a:p>
@@ -4612,11 +4604,7 @@
             </a:r>
             <a:r>
               <a:rPr lang="en-US" dirty="0" smtClean="0"/>
-              <a:t> </a:t>
-            </a:r>
-            <a:r>
-              <a:rPr lang="en-US" dirty="0" smtClean="0"/>
-              <a:t>– latest successful clean build of master</a:t>
+              <a:t> – latest successful clean build of master</a:t>
             </a:r>
             <a:endParaRPr lang="en-US" dirty="0"/>
           </a:p>

--- a/Presentations/DevMeeting20120208_stablemaster.pptx
+++ b/Presentations/DevMeeting20120208_stablemaster.pptx
@@ -17,10 +17,12 @@
     <p:sldId id="267" r:id="rId11"/>
     <p:sldId id="269" r:id="rId12"/>
     <p:sldId id="268" r:id="rId13"/>
-    <p:sldId id="270" r:id="rId14"/>
-    <p:sldId id="271" r:id="rId15"/>
-    <p:sldId id="263" r:id="rId16"/>
-    <p:sldId id="257" r:id="rId17"/>
+    <p:sldId id="272" r:id="rId14"/>
+    <p:sldId id="273" r:id="rId15"/>
+    <p:sldId id="270" r:id="rId16"/>
+    <p:sldId id="271" r:id="rId17"/>
+    <p:sldId id="263" r:id="rId18"/>
+    <p:sldId id="257" r:id="rId19"/>
   </p:sldIdLst>
   <p:sldSz cx="9144000" cy="6858000" type="screen4x3"/>
   <p:notesSz cx="6858000" cy="9144000"/>
@@ -3532,8 +3534,13 @@
           <a:p>
             <a:r>
               <a:rPr lang="en-US" dirty="0" smtClean="0"/>
-              <a:t>Duplicate incremental (and clean?) builds for “next” branch</a:t>
-            </a:r>
+              <a:t>Duplicate incremental (and clean?) builds for </a:t>
+            </a:r>
+            <a:r>
+              <a:rPr lang="en-US" dirty="0" smtClean="0"/>
+              <a:t>integration branch</a:t>
+            </a:r>
+            <a:endParaRPr lang="en-US" dirty="0" smtClean="0"/>
           </a:p>
           <a:p>
             <a:r>
@@ -3546,21 +3553,25 @@
             </a:r>
             <a:r>
               <a:rPr lang="en-US" dirty="0" smtClean="0"/>
-              <a:t> is the result of successful “next”</a:t>
-            </a:r>
-          </a:p>
-          <a:p>
-            <a:r>
-              <a:rPr lang="en-US" dirty="0" err="1"/>
-              <a:t>m</a:t>
-            </a:r>
+              <a:t> is the result of successful </a:t>
+            </a:r>
+            <a:r>
+              <a:rPr lang="en-US" dirty="0" smtClean="0"/>
+              <a:t>integration</a:t>
+            </a:r>
+          </a:p>
+          <a:p>
             <a:r>
               <a:rPr lang="en-US" dirty="0" err="1" smtClean="0"/>
-              <a:t>antidnightly</a:t>
-            </a:r>
-            <a:r>
-              <a:rPr lang="en-US" dirty="0" smtClean="0"/>
-              <a:t> is the result of successful “master” build </a:t>
+              <a:t>mantidnightly</a:t>
+            </a:r>
+            <a:r>
+              <a:rPr lang="en-US" dirty="0" smtClean="0"/>
+              <a:t> </a:t>
+            </a:r>
+            <a:r>
+              <a:rPr lang="en-US" dirty="0" smtClean="0"/>
+              <a:t>is the result of successful “master” build </a:t>
             </a:r>
             <a:endParaRPr lang="en-US" dirty="0"/>
           </a:p>
@@ -3613,7 +3624,15 @@
           <a:p>
             <a:r>
               <a:rPr lang="en-US" dirty="0" smtClean="0"/>
-              <a:t>Extra benefits</a:t>
+              <a:t>Test throughout </a:t>
+            </a:r>
+            <a:r>
+              <a:rPr lang="en-US" dirty="0" err="1" smtClean="0"/>
+              <a:t>dev</a:t>
+            </a:r>
+            <a:r>
+              <a:rPr lang="en-US" dirty="0" smtClean="0"/>
+              <a:t> cycle</a:t>
             </a:r>
             <a:endParaRPr lang="en-US" dirty="0"/>
           </a:p>
@@ -3634,21 +3653,53 @@
           <a:bodyPr/>
           <a:lstStyle/>
           <a:p>
-            <a:r>
-              <a:rPr lang="en-US" dirty="0" smtClean="0"/>
-              <a:t>All builds of “master” are releasable – just add unscripted testing and a version number</a:t>
-            </a:r>
-          </a:p>
-          <a:p>
-            <a:r>
-              <a:rPr lang="en-US" dirty="0" smtClean="0"/>
-              <a:t>Patch releases require (almost) no extra review</a:t>
-            </a:r>
-          </a:p>
-          <a:p>
-            <a:r>
-              <a:rPr lang="en-US" dirty="0" smtClean="0"/>
-              <a:t>Only “fully baked” features are in a release</a:t>
+            <a:pPr marL="0" indent="0">
+              <a:buNone/>
+            </a:pPr>
+            <a:r>
+              <a:rPr lang="en-US" dirty="0" smtClean="0"/>
+              <a:t>Currently:</a:t>
+            </a:r>
+          </a:p>
+          <a:p>
+            <a:r>
+              <a:rPr lang="en-US" dirty="0" smtClean="0"/>
+              <a:t>7 weeks development</a:t>
+            </a:r>
+          </a:p>
+          <a:p>
+            <a:r>
+              <a:rPr lang="en-US" dirty="0"/>
+              <a:t>2</a:t>
+            </a:r>
+            <a:r>
+              <a:rPr lang="en-US" dirty="0" smtClean="0"/>
+              <a:t> days testing</a:t>
+            </a:r>
+          </a:p>
+          <a:p>
+            <a:r>
+              <a:rPr lang="en-US" dirty="0"/>
+              <a:t>3</a:t>
+            </a:r>
+            <a:r>
+              <a:rPr lang="en-US" dirty="0" smtClean="0"/>
+              <a:t> days hoping nobody notices you aren’t testing</a:t>
+            </a:r>
+          </a:p>
+          <a:p>
+            <a:pPr marL="0" indent="0">
+              <a:buNone/>
+            </a:pPr>
+            <a:r>
+              <a:rPr lang="en-US" dirty="0" smtClean="0"/>
+              <a:t>Future:</a:t>
+            </a:r>
+          </a:p>
+          <a:p>
+            <a:r>
+              <a:rPr lang="en-US" dirty="0" smtClean="0"/>
+              <a:t>8 weeks development with testing throughout</a:t>
             </a:r>
           </a:p>
         </p:txBody>
@@ -3656,7 +3707,7 @@
     </p:spTree>
     <p:extLst>
       <p:ext uri="{BB962C8B-B14F-4D97-AF65-F5344CB8AC3E}">
-        <p14:creationId xmlns:p14="http://schemas.microsoft.com/office/powerpoint/2010/main" val="2875966241"/>
+        <p14:creationId xmlns:p14="http://schemas.microsoft.com/office/powerpoint/2010/main" val="2350806236"/>
       </p:ext>
     </p:extLst>
   </p:cSld>
@@ -3700,7 +3751,7 @@
           <a:p>
             <a:r>
               <a:rPr lang="en-US" dirty="0" smtClean="0"/>
-              <a:t>Problems</a:t>
+              <a:t>Possibilities for testing</a:t>
             </a:r>
             <a:endParaRPr lang="en-US" dirty="0"/>
           </a:p>
@@ -3723,40 +3774,33 @@
           <a:p>
             <a:r>
               <a:rPr lang="en-US" dirty="0" smtClean="0"/>
-              <a:t>Ticket </a:t>
-            </a:r>
-            <a:r>
-              <a:rPr lang="en-US" dirty="0" err="1" smtClean="0"/>
-              <a:t>cruft</a:t>
-            </a:r>
-            <a:r>
-              <a:rPr lang="en-US" dirty="0" smtClean="0"/>
-              <a:t> in </a:t>
-            </a:r>
-            <a:r>
-              <a:rPr lang="en-US" dirty="0" err="1" smtClean="0"/>
-              <a:t>trac</a:t>
-            </a:r>
-            <a:endParaRPr lang="en-US" dirty="0" smtClean="0"/>
-          </a:p>
-          <a:p>
-            <a:pPr lvl="1"/>
-            <a:r>
-              <a:rPr lang="en-US" dirty="0" smtClean="0"/>
-              <a:t>Merge emails</a:t>
-            </a:r>
-          </a:p>
-          <a:p>
-            <a:pPr lvl="1"/>
-            <a:r>
-              <a:rPr lang="en-US" dirty="0" smtClean="0"/>
-              <a:t>Broken change set links in tickets</a:t>
-            </a:r>
-          </a:p>
-          <a:p>
-            <a:r>
-              <a:rPr lang="en-US" dirty="0" smtClean="0"/>
-              <a:t>Educating people in new workflow</a:t>
+              <a:t>Close a ticket, verify a ticket</a:t>
+            </a:r>
+          </a:p>
+          <a:p>
+            <a:r>
+              <a:rPr lang="en-US" dirty="0" smtClean="0"/>
+              <a:t>Testing </a:t>
+            </a:r>
+            <a:r>
+              <a:rPr lang="en-US" dirty="0"/>
+              <a:t>F</a:t>
+            </a:r>
+            <a:r>
+              <a:rPr lang="en-US" dirty="0" smtClean="0"/>
+              <a:t>ridays (5 days of testing increases to 8 days)</a:t>
+            </a:r>
+          </a:p>
+          <a:p>
+            <a:r>
+              <a:rPr lang="en-US" dirty="0" smtClean="0"/>
+              <a:t>Look for testing tickets first/last thing every day</a:t>
+            </a:r>
+          </a:p>
+          <a:p>
+            <a:r>
+              <a:rPr lang="en-US" dirty="0" smtClean="0"/>
+              <a:t>Change the development culture to test more often</a:t>
             </a:r>
             <a:endParaRPr lang="en-US" dirty="0"/>
           </a:p>
@@ -3765,7 +3809,7 @@
     </p:spTree>
     <p:extLst>
       <p:ext uri="{BB962C8B-B14F-4D97-AF65-F5344CB8AC3E}">
-        <p14:creationId xmlns:p14="http://schemas.microsoft.com/office/powerpoint/2010/main" val="1499593529"/>
+        <p14:creationId xmlns:p14="http://schemas.microsoft.com/office/powerpoint/2010/main" val="231521776"/>
       </p:ext>
     </p:extLst>
   </p:cSld>
@@ -3809,6 +3853,224 @@
           <a:p>
             <a:r>
               <a:rPr lang="en-US" dirty="0" smtClean="0"/>
+              <a:t>Extra benefits</a:t>
+            </a:r>
+            <a:endParaRPr lang="en-US" dirty="0"/>
+          </a:p>
+        </p:txBody>
+      </p:sp>
+      <p:sp>
+        <p:nvSpPr>
+          <p:cNvPr id="3" name="Content Placeholder 2"/>
+          <p:cNvSpPr>
+            <a:spLocks noGrp="1"/>
+          </p:cNvSpPr>
+          <p:nvPr>
+            <p:ph idx="1"/>
+          </p:nvPr>
+        </p:nvSpPr>
+        <p:spPr/>
+        <p:txBody>
+          <a:bodyPr/>
+          <a:lstStyle/>
+          <a:p>
+            <a:r>
+              <a:rPr lang="en-US" dirty="0" smtClean="0"/>
+              <a:t>All builds of “master” are releasable – just add unscripted testing and a version number</a:t>
+            </a:r>
+          </a:p>
+          <a:p>
+            <a:r>
+              <a:rPr lang="en-US" dirty="0" smtClean="0"/>
+              <a:t>Patch releases require (almost) no extra review</a:t>
+            </a:r>
+          </a:p>
+          <a:p>
+            <a:r>
+              <a:rPr lang="en-US" dirty="0" smtClean="0"/>
+              <a:t>Only “fully baked” features are in a release</a:t>
+            </a:r>
+          </a:p>
+        </p:txBody>
+      </p:sp>
+    </p:spTree>
+    <p:extLst>
+      <p:ext uri="{BB962C8B-B14F-4D97-AF65-F5344CB8AC3E}">
+        <p14:creationId xmlns:p14="http://schemas.microsoft.com/office/powerpoint/2010/main" val="2875966241"/>
+      </p:ext>
+    </p:extLst>
+  </p:cSld>
+  <p:clrMapOvr>
+    <a:masterClrMapping/>
+  </p:clrMapOvr>
+</p:sld>
+</file>
+
+<file path=ppt/slides/slide16.xml><?xml version="1.0" encoding="utf-8"?>
+<p:sld xmlns:a="http://schemas.openxmlformats.org/drawingml/2006/main" xmlns:r="http://schemas.openxmlformats.org/officeDocument/2006/relationships" xmlns:p="http://schemas.openxmlformats.org/presentationml/2006/main">
+  <p:cSld>
+    <p:spTree>
+      <p:nvGrpSpPr>
+        <p:cNvPr id="1" name=""/>
+        <p:cNvGrpSpPr/>
+        <p:nvPr/>
+      </p:nvGrpSpPr>
+      <p:grpSpPr>
+        <a:xfrm>
+          <a:off x="0" y="0"/>
+          <a:ext cx="0" cy="0"/>
+          <a:chOff x="0" y="0"/>
+          <a:chExt cx="0" cy="0"/>
+        </a:xfrm>
+      </p:grpSpPr>
+      <p:sp>
+        <p:nvSpPr>
+          <p:cNvPr id="2" name="Title 1"/>
+          <p:cNvSpPr>
+            <a:spLocks noGrp="1"/>
+          </p:cNvSpPr>
+          <p:nvPr>
+            <p:ph type="title"/>
+          </p:nvPr>
+        </p:nvSpPr>
+        <p:spPr/>
+        <p:txBody>
+          <a:bodyPr/>
+          <a:lstStyle/>
+          <a:p>
+            <a:r>
+              <a:rPr lang="en-US" dirty="0" smtClean="0"/>
+              <a:t>Problems</a:t>
+            </a:r>
+            <a:endParaRPr lang="en-US" dirty="0"/>
+          </a:p>
+        </p:txBody>
+      </p:sp>
+      <p:sp>
+        <p:nvSpPr>
+          <p:cNvPr id="3" name="Content Placeholder 2"/>
+          <p:cNvSpPr>
+            <a:spLocks noGrp="1"/>
+          </p:cNvSpPr>
+          <p:nvPr>
+            <p:ph idx="1"/>
+          </p:nvPr>
+        </p:nvSpPr>
+        <p:spPr/>
+        <p:txBody>
+          <a:bodyPr/>
+          <a:lstStyle/>
+          <a:p>
+            <a:r>
+              <a:rPr lang="en-US" dirty="0" smtClean="0"/>
+              <a:t>Ticket </a:t>
+            </a:r>
+            <a:r>
+              <a:rPr lang="en-US" dirty="0" err="1" smtClean="0"/>
+              <a:t>cruft</a:t>
+            </a:r>
+            <a:r>
+              <a:rPr lang="en-US" dirty="0" smtClean="0"/>
+              <a:t> in </a:t>
+            </a:r>
+            <a:r>
+              <a:rPr lang="en-US" dirty="0" err="1" smtClean="0"/>
+              <a:t>trac</a:t>
+            </a:r>
+            <a:endParaRPr lang="en-US" dirty="0" smtClean="0"/>
+          </a:p>
+          <a:p>
+            <a:pPr lvl="1"/>
+            <a:r>
+              <a:rPr lang="en-US" dirty="0" smtClean="0"/>
+              <a:t>Merge emails</a:t>
+            </a:r>
+          </a:p>
+          <a:p>
+            <a:pPr lvl="1"/>
+            <a:r>
+              <a:rPr lang="en-US" dirty="0" smtClean="0"/>
+              <a:t>Broken change set links in tickets</a:t>
+            </a:r>
+          </a:p>
+          <a:p>
+            <a:r>
+              <a:rPr lang="en-US" dirty="0" smtClean="0"/>
+              <a:t>Educating people in new </a:t>
+            </a:r>
+            <a:r>
+              <a:rPr lang="en-US" dirty="0" smtClean="0"/>
+              <a:t>workflow</a:t>
+            </a:r>
+          </a:p>
+          <a:p>
+            <a:r>
+              <a:rPr lang="en-US" dirty="0" smtClean="0"/>
+              <a:t>Is code merged into master only after verification by the tester</a:t>
+            </a:r>
+            <a:r>
+              <a:rPr lang="en-US" dirty="0"/>
+              <a:t> </a:t>
+            </a:r>
+            <a:r>
+              <a:rPr lang="en-US" dirty="0" smtClean="0"/>
+              <a:t>or </a:t>
+            </a:r>
+            <a:r>
+              <a:rPr lang="en-US" dirty="0" smtClean="0"/>
+              <a:t>gatekeepers?</a:t>
+            </a:r>
+            <a:endParaRPr lang="en-US" dirty="0"/>
+          </a:p>
+        </p:txBody>
+      </p:sp>
+    </p:spTree>
+    <p:extLst>
+      <p:ext uri="{BB962C8B-B14F-4D97-AF65-F5344CB8AC3E}">
+        <p14:creationId xmlns:p14="http://schemas.microsoft.com/office/powerpoint/2010/main" val="1499593529"/>
+      </p:ext>
+    </p:extLst>
+  </p:cSld>
+  <p:clrMapOvr>
+    <a:masterClrMapping/>
+  </p:clrMapOvr>
+</p:sld>
+</file>
+
+<file path=ppt/slides/slide17.xml><?xml version="1.0" encoding="utf-8"?>
+<p:sld xmlns:a="http://schemas.openxmlformats.org/drawingml/2006/main" xmlns:r="http://schemas.openxmlformats.org/officeDocument/2006/relationships" xmlns:p="http://schemas.openxmlformats.org/presentationml/2006/main">
+  <p:cSld>
+    <p:spTree>
+      <p:nvGrpSpPr>
+        <p:cNvPr id="1" name=""/>
+        <p:cNvGrpSpPr/>
+        <p:nvPr/>
+      </p:nvGrpSpPr>
+      <p:grpSpPr>
+        <a:xfrm>
+          <a:off x="0" y="0"/>
+          <a:ext cx="0" cy="0"/>
+          <a:chOff x="0" y="0"/>
+          <a:chExt cx="0" cy="0"/>
+        </a:xfrm>
+      </p:grpSpPr>
+      <p:sp>
+        <p:nvSpPr>
+          <p:cNvPr id="2" name="Title 1"/>
+          <p:cNvSpPr>
+            <a:spLocks noGrp="1"/>
+          </p:cNvSpPr>
+          <p:nvPr>
+            <p:ph type="title"/>
+          </p:nvPr>
+        </p:nvSpPr>
+        <p:spPr/>
+        <p:txBody>
+          <a:bodyPr/>
+          <a:lstStyle/>
+          <a:p>
+            <a:r>
+              <a:rPr lang="en-US" dirty="0" smtClean="0"/>
               <a:t>Recommendations</a:t>
             </a:r>
             <a:endParaRPr lang="en-US" dirty="0"/>
@@ -3889,7 +4151,11 @@
             </a:pPr>
             <a:r>
               <a:rPr lang="en-US" dirty="0" smtClean="0"/>
-              <a:t>Verify tickets during release cycle (change workflow?)</a:t>
+              <a:t>Verify tickets during release </a:t>
+            </a:r>
+            <a:r>
+              <a:rPr lang="en-US" dirty="0" smtClean="0"/>
+              <a:t>cycle</a:t>
             </a:r>
             <a:endParaRPr lang="en-US" dirty="0"/>
           </a:p>
@@ -3908,7 +4174,7 @@
 </p:sld>
 </file>
 
-<file path=ppt/slides/slide16.xml><?xml version="1.0" encoding="utf-8"?>
+<file path=ppt/slides/slide18.xml><?xml version="1.0" encoding="utf-8"?>
 <p:sld xmlns:a="http://schemas.openxmlformats.org/drawingml/2006/main" xmlns:r="http://schemas.openxmlformats.org/officeDocument/2006/relationships" xmlns:p="http://schemas.openxmlformats.org/presentationml/2006/main">
   <p:cSld>
     <p:spTree>

--- a/Presentations/DevMeeting20120208_stablemaster.pptx
+++ b/Presentations/DevMeeting20120208_stablemaster.pptx
@@ -22,7 +22,6 @@
     <p:sldId id="270" r:id="rId16"/>
     <p:sldId id="271" r:id="rId17"/>
     <p:sldId id="263" r:id="rId18"/>
-    <p:sldId id="257" r:id="rId19"/>
   </p:sldIdLst>
   <p:sldSz cx="9144000" cy="6858000" type="screen4x3"/>
   <p:notesSz cx="6858000" cy="9144000"/>
@@ -305,7 +304,7 @@
           <a:p>
             <a:fld id="{36399C6D-8DB6-8F45-BFA2-F16C8FA0D9CE}" type="datetimeFigureOut">
               <a:rPr lang="en-US" smtClean="0"/>
-              <a:t>2/7/13</a:t>
+              <a:t>2/8/13</a:t>
             </a:fld>
             <a:endParaRPr lang="en-US"/>
           </a:p>
@@ -475,7 +474,7 @@
           <a:p>
             <a:fld id="{36399C6D-8DB6-8F45-BFA2-F16C8FA0D9CE}" type="datetimeFigureOut">
               <a:rPr lang="en-US" smtClean="0"/>
-              <a:t>2/7/13</a:t>
+              <a:t>2/8/13</a:t>
             </a:fld>
             <a:endParaRPr lang="en-US"/>
           </a:p>
@@ -655,7 +654,7 @@
           <a:p>
             <a:fld id="{36399C6D-8DB6-8F45-BFA2-F16C8FA0D9CE}" type="datetimeFigureOut">
               <a:rPr lang="en-US" smtClean="0"/>
-              <a:t>2/7/13</a:t>
+              <a:t>2/8/13</a:t>
             </a:fld>
             <a:endParaRPr lang="en-US"/>
           </a:p>
@@ -825,7 +824,7 @@
           <a:p>
             <a:fld id="{36399C6D-8DB6-8F45-BFA2-F16C8FA0D9CE}" type="datetimeFigureOut">
               <a:rPr lang="en-US" smtClean="0"/>
-              <a:t>2/7/13</a:t>
+              <a:t>2/8/13</a:t>
             </a:fld>
             <a:endParaRPr lang="en-US"/>
           </a:p>
@@ -1071,7 +1070,7 @@
           <a:p>
             <a:fld id="{36399C6D-8DB6-8F45-BFA2-F16C8FA0D9CE}" type="datetimeFigureOut">
               <a:rPr lang="en-US" smtClean="0"/>
-              <a:t>2/7/13</a:t>
+              <a:t>2/8/13</a:t>
             </a:fld>
             <a:endParaRPr lang="en-US"/>
           </a:p>
@@ -1359,7 +1358,7 @@
           <a:p>
             <a:fld id="{36399C6D-8DB6-8F45-BFA2-F16C8FA0D9CE}" type="datetimeFigureOut">
               <a:rPr lang="en-US" smtClean="0"/>
-              <a:t>2/7/13</a:t>
+              <a:t>2/8/13</a:t>
             </a:fld>
             <a:endParaRPr lang="en-US"/>
           </a:p>
@@ -1781,7 +1780,7 @@
           <a:p>
             <a:fld id="{36399C6D-8DB6-8F45-BFA2-F16C8FA0D9CE}" type="datetimeFigureOut">
               <a:rPr lang="en-US" smtClean="0"/>
-              <a:t>2/7/13</a:t>
+              <a:t>2/8/13</a:t>
             </a:fld>
             <a:endParaRPr lang="en-US"/>
           </a:p>
@@ -1899,7 +1898,7 @@
           <a:p>
             <a:fld id="{36399C6D-8DB6-8F45-BFA2-F16C8FA0D9CE}" type="datetimeFigureOut">
               <a:rPr lang="en-US" smtClean="0"/>
-              <a:t>2/7/13</a:t>
+              <a:t>2/8/13</a:t>
             </a:fld>
             <a:endParaRPr lang="en-US"/>
           </a:p>
@@ -1994,7 +1993,7 @@
           <a:p>
             <a:fld id="{36399C6D-8DB6-8F45-BFA2-F16C8FA0D9CE}" type="datetimeFigureOut">
               <a:rPr lang="en-US" smtClean="0"/>
-              <a:t>2/7/13</a:t>
+              <a:t>2/8/13</a:t>
             </a:fld>
             <a:endParaRPr lang="en-US"/>
           </a:p>
@@ -2271,7 +2270,7 @@
           <a:p>
             <a:fld id="{36399C6D-8DB6-8F45-BFA2-F16C8FA0D9CE}" type="datetimeFigureOut">
               <a:rPr lang="en-US" smtClean="0"/>
-              <a:t>2/7/13</a:t>
+              <a:t>2/8/13</a:t>
             </a:fld>
             <a:endParaRPr lang="en-US"/>
           </a:p>
@@ -2524,7 +2523,7 @@
           <a:p>
             <a:fld id="{36399C6D-8DB6-8F45-BFA2-F16C8FA0D9CE}" type="datetimeFigureOut">
               <a:rPr lang="en-US" smtClean="0"/>
-              <a:t>2/7/13</a:t>
+              <a:t>2/8/13</a:t>
             </a:fld>
             <a:endParaRPr lang="en-US"/>
           </a:p>
@@ -2737,7 +2736,7 @@
           <a:p>
             <a:fld id="{36399C6D-8DB6-8F45-BFA2-F16C8FA0D9CE}" type="datetimeFigureOut">
               <a:rPr lang="en-US" smtClean="0"/>
-              <a:t>2/7/13</a:t>
+              <a:t>2/8/13</a:t>
             </a:fld>
             <a:endParaRPr lang="en-US"/>
           </a:p>
@@ -3534,13 +3533,8 @@
           <a:p>
             <a:r>
               <a:rPr lang="en-US" dirty="0" smtClean="0"/>
-              <a:t>Duplicate incremental (and clean?) builds for </a:t>
-            </a:r>
-            <a:r>
-              <a:rPr lang="en-US" dirty="0" smtClean="0"/>
-              <a:t>integration branch</a:t>
-            </a:r>
-            <a:endParaRPr lang="en-US" dirty="0" smtClean="0"/>
+              <a:t>Duplicate incremental (and clean?) builds for integration branch</a:t>
+            </a:r>
           </a:p>
           <a:p>
             <a:r>
@@ -3553,11 +3547,7 @@
             </a:r>
             <a:r>
               <a:rPr lang="en-US" dirty="0" smtClean="0"/>
-              <a:t> is the result of successful </a:t>
-            </a:r>
-            <a:r>
-              <a:rPr lang="en-US" dirty="0" smtClean="0"/>
-              <a:t>integration</a:t>
+              <a:t> is the result of successful integration</a:t>
             </a:r>
           </a:p>
           <a:p>
@@ -3567,11 +3557,7 @@
             </a:r>
             <a:r>
               <a:rPr lang="en-US" dirty="0" smtClean="0"/>
-              <a:t> </a:t>
-            </a:r>
-            <a:r>
-              <a:rPr lang="en-US" dirty="0" smtClean="0"/>
-              <a:t>is the result of successful “master” build </a:t>
+              <a:t> is the result of successful “master” build </a:t>
             </a:r>
             <a:endParaRPr lang="en-US" dirty="0"/>
           </a:p>
@@ -3624,7 +3610,7 @@
           <a:p>
             <a:r>
               <a:rPr lang="en-US" dirty="0" smtClean="0"/>
-              <a:t>Test throughout </a:t>
+              <a:t>Verification throughout </a:t>
             </a:r>
             <a:r>
               <a:rPr lang="en-US" dirty="0" err="1" smtClean="0"/>
@@ -3699,8 +3685,13 @@
           <a:p>
             <a:r>
               <a:rPr lang="en-US" dirty="0" smtClean="0"/>
-              <a:t>8 weeks development with testing throughout</a:t>
-            </a:r>
+              <a:t>8 weeks development with </a:t>
+            </a:r>
+            <a:r>
+              <a:rPr lang="en-US" dirty="0" smtClean="0"/>
+              <a:t>verification throughout</a:t>
+            </a:r>
+            <a:endParaRPr lang="en-US" dirty="0" smtClean="0"/>
           </a:p>
         </p:txBody>
       </p:sp>
@@ -3769,7 +3760,9 @@
         </p:nvSpPr>
         <p:spPr/>
         <p:txBody>
-          <a:bodyPr/>
+          <a:bodyPr>
+            <a:normAutofit/>
+          </a:bodyPr>
           <a:lstStyle/>
           <a:p>
             <a:r>
@@ -3800,9 +3793,19 @@
           <a:p>
             <a:r>
               <a:rPr lang="en-US" dirty="0" smtClean="0"/>
-              <a:t>Change the development culture to test more often</a:t>
-            </a:r>
-            <a:endParaRPr lang="en-US" dirty="0"/>
+              <a:t>Change the development culture to test more </a:t>
+            </a:r>
+            <a:r>
+              <a:rPr lang="en-US" dirty="0" smtClean="0"/>
+              <a:t>often</a:t>
+            </a:r>
+          </a:p>
+          <a:p>
+            <a:r>
+              <a:rPr lang="en-US" b="1" dirty="0" smtClean="0"/>
+              <a:t>Things merged into master by the tester</a:t>
+            </a:r>
+            <a:endParaRPr lang="en-US" b="1" dirty="0"/>
           </a:p>
         </p:txBody>
       </p:sp>
@@ -3990,17 +3993,25 @@
             <a:pPr lvl="1"/>
             <a:r>
               <a:rPr lang="en-US" dirty="0" smtClean="0"/>
-              <a:t>Broken change set links in tickets</a:t>
-            </a:r>
-          </a:p>
-          <a:p>
-            <a:r>
-              <a:rPr lang="en-US" dirty="0" smtClean="0"/>
-              <a:t>Educating people in new </a:t>
-            </a:r>
-            <a:r>
-              <a:rPr lang="en-US" dirty="0" smtClean="0"/>
-              <a:t>workflow</a:t>
+              <a:t>Broken change set links in </a:t>
+            </a:r>
+            <a:r>
+              <a:rPr lang="en-US" dirty="0" smtClean="0"/>
+              <a:t>tickets</a:t>
+            </a:r>
+          </a:p>
+          <a:p>
+            <a:pPr lvl="1"/>
+            <a:r>
+              <a:rPr lang="en-US" dirty="0" smtClean="0"/>
+              <a:t>Difficult to see what is going on</a:t>
+            </a:r>
+            <a:endParaRPr lang="en-US" dirty="0" smtClean="0"/>
+          </a:p>
+          <a:p>
+            <a:r>
+              <a:rPr lang="en-US" dirty="0" smtClean="0"/>
+              <a:t>Educating people in new workflow</a:t>
             </a:r>
           </a:p>
           <a:p>
@@ -4014,11 +4025,7 @@
             </a:r>
             <a:r>
               <a:rPr lang="en-US" dirty="0" smtClean="0"/>
-              <a:t>or </a:t>
-            </a:r>
-            <a:r>
-              <a:rPr lang="en-US" dirty="0" smtClean="0"/>
-              <a:t>gatekeepers?</a:t>
+              <a:t>or gatekeepers?</a:t>
             </a:r>
             <a:endParaRPr lang="en-US" dirty="0"/>
           </a:p>
@@ -4151,11 +4158,7 @@
             </a:pPr>
             <a:r>
               <a:rPr lang="en-US" dirty="0" smtClean="0"/>
-              <a:t>Verify tickets during release </a:t>
-            </a:r>
-            <a:r>
-              <a:rPr lang="en-US" dirty="0" smtClean="0"/>
-              <a:t>cycle</a:t>
+              <a:t>Verify tickets during release cycle</a:t>
             </a:r>
             <a:endParaRPr lang="en-US" dirty="0"/>
           </a:p>
@@ -4165,483 +4168,6 @@
     <p:extLst>
       <p:ext uri="{BB962C8B-B14F-4D97-AF65-F5344CB8AC3E}">
         <p14:creationId xmlns:p14="http://schemas.microsoft.com/office/powerpoint/2010/main" val="3511011769"/>
-      </p:ext>
-    </p:extLst>
-  </p:cSld>
-  <p:clrMapOvr>
-    <a:masterClrMapping/>
-  </p:clrMapOvr>
-</p:sld>
-</file>
-
-<file path=ppt/slides/slide18.xml><?xml version="1.0" encoding="utf-8"?>
-<p:sld xmlns:a="http://schemas.openxmlformats.org/drawingml/2006/main" xmlns:r="http://schemas.openxmlformats.org/officeDocument/2006/relationships" xmlns:p="http://schemas.openxmlformats.org/presentationml/2006/main">
-  <p:cSld>
-    <p:spTree>
-      <p:nvGrpSpPr>
-        <p:cNvPr id="1" name=""/>
-        <p:cNvGrpSpPr/>
-        <p:nvPr/>
-      </p:nvGrpSpPr>
-      <p:grpSpPr>
-        <a:xfrm>
-          <a:off x="0" y="0"/>
-          <a:ext cx="0" cy="0"/>
-          <a:chOff x="0" y="0"/>
-          <a:chExt cx="0" cy="0"/>
-        </a:xfrm>
-      </p:grpSpPr>
-      <p:pic>
-        <p:nvPicPr>
-          <p:cNvPr id="5" name="Picture 4" descr="mantid_log_with_name.png"/>
-          <p:cNvPicPr>
-            <a:picLocks noChangeAspect="1"/>
-          </p:cNvPicPr>
-          <p:nvPr/>
-        </p:nvPicPr>
-        <p:blipFill>
-          <a:blip r:embed="rId2">
-            <a:extLst>
-              <a:ext uri="{28A0092B-C50C-407E-A947-70E740481C1C}">
-                <a14:useLocalDpi xmlns:a14="http://schemas.microsoft.com/office/drawing/2010/main" val="0"/>
-              </a:ext>
-            </a:extLst>
-          </a:blip>
-          <a:stretch>
-            <a:fillRect/>
-          </a:stretch>
-        </p:blipFill>
-        <p:spPr>
-          <a:xfrm>
-            <a:off x="209141" y="4790591"/>
-            <a:ext cx="5870261" cy="1897636"/>
-          </a:xfrm>
-          <a:prstGeom prst="rect">
-            <a:avLst/>
-          </a:prstGeom>
-        </p:spPr>
-      </p:pic>
-      <p:pic>
-        <p:nvPicPr>
-          <p:cNvPr id="6" name="Picture 5" descr="mantid_256.png"/>
-          <p:cNvPicPr>
-            <a:picLocks noChangeAspect="1"/>
-          </p:cNvPicPr>
-          <p:nvPr/>
-        </p:nvPicPr>
-        <p:blipFill>
-          <a:blip r:embed="rId3">
-            <a:extLst>
-              <a:ext uri="{28A0092B-C50C-407E-A947-70E740481C1C}">
-                <a14:useLocalDpi xmlns:a14="http://schemas.microsoft.com/office/drawing/2010/main" val="0"/>
-              </a:ext>
-            </a:extLst>
-          </a:blip>
-          <a:stretch>
-            <a:fillRect/>
-          </a:stretch>
-        </p:blipFill>
-        <p:spPr>
-          <a:xfrm>
-            <a:off x="5248626" y="2251256"/>
-            <a:ext cx="3657600" cy="3657600"/>
-          </a:xfrm>
-          <a:prstGeom prst="rect">
-            <a:avLst/>
-          </a:prstGeom>
-        </p:spPr>
-      </p:pic>
-      <p:pic>
-        <p:nvPicPr>
-          <p:cNvPr id="7" name="Picture 6" descr="mantid_128.png"/>
-          <p:cNvPicPr>
-            <a:picLocks noChangeAspect="1"/>
-          </p:cNvPicPr>
-          <p:nvPr/>
-        </p:nvPicPr>
-        <p:blipFill>
-          <a:blip r:embed="rId4">
-            <a:extLst>
-              <a:ext uri="{28A0092B-C50C-407E-A947-70E740481C1C}">
-                <a14:useLocalDpi xmlns:a14="http://schemas.microsoft.com/office/drawing/2010/main" val="0"/>
-              </a:ext>
-            </a:extLst>
-          </a:blip>
-          <a:stretch>
-            <a:fillRect/>
-          </a:stretch>
-        </p:blipFill>
-        <p:spPr>
-          <a:xfrm>
-            <a:off x="2575360" y="1612643"/>
-            <a:ext cx="2743200" cy="2743200"/>
-          </a:xfrm>
-          <a:prstGeom prst="rect">
-            <a:avLst/>
-          </a:prstGeom>
-        </p:spPr>
-      </p:pic>
-      <p:pic>
-        <p:nvPicPr>
-          <p:cNvPr id="8" name="Picture 7" descr="mantid_64.png"/>
-          <p:cNvPicPr>
-            <a:picLocks noChangeAspect="1"/>
-          </p:cNvPicPr>
-          <p:nvPr/>
-        </p:nvPicPr>
-        <p:blipFill>
-          <a:blip r:embed="rId5">
-            <a:extLst>
-              <a:ext uri="{28A0092B-C50C-407E-A947-70E740481C1C}">
-                <a14:useLocalDpi xmlns:a14="http://schemas.microsoft.com/office/drawing/2010/main" val="0"/>
-              </a:ext>
-            </a:extLst>
-          </a:blip>
-          <a:stretch>
-            <a:fillRect/>
-          </a:stretch>
-        </p:blipFill>
-        <p:spPr>
-          <a:xfrm>
-            <a:off x="704888" y="1797309"/>
-            <a:ext cx="1828800" cy="1828800"/>
-          </a:xfrm>
-          <a:prstGeom prst="rect">
-            <a:avLst/>
-          </a:prstGeom>
-        </p:spPr>
-      </p:pic>
-      <p:pic>
-        <p:nvPicPr>
-          <p:cNvPr id="9" name="Picture 8" descr="mantid_48.png"/>
-          <p:cNvPicPr>
-            <a:picLocks noChangeAspect="1"/>
-          </p:cNvPicPr>
-          <p:nvPr/>
-        </p:nvPicPr>
-        <p:blipFill>
-          <a:blip r:embed="rId6">
-            <a:extLst>
-              <a:ext uri="{28A0092B-C50C-407E-A947-70E740481C1C}">
-                <a14:useLocalDpi xmlns:a14="http://schemas.microsoft.com/office/drawing/2010/main" val="0"/>
-              </a:ext>
-            </a:extLst>
-          </a:blip>
-          <a:stretch>
-            <a:fillRect/>
-          </a:stretch>
-        </p:blipFill>
-        <p:spPr>
-          <a:xfrm>
-            <a:off x="6531722" y="241043"/>
-            <a:ext cx="1371600" cy="1371600"/>
-          </a:xfrm>
-          <a:prstGeom prst="rect">
-            <a:avLst/>
-          </a:prstGeom>
-        </p:spPr>
-      </p:pic>
-      <p:pic>
-        <p:nvPicPr>
-          <p:cNvPr id="10" name="Picture 9" descr="mantid_32.png"/>
-          <p:cNvPicPr>
-            <a:picLocks noChangeAspect="1"/>
-          </p:cNvPicPr>
-          <p:nvPr/>
-        </p:nvPicPr>
-        <p:blipFill>
-          <a:blip r:embed="rId7">
-            <a:extLst>
-              <a:ext uri="{28A0092B-C50C-407E-A947-70E740481C1C}">
-                <a14:useLocalDpi xmlns:a14="http://schemas.microsoft.com/office/drawing/2010/main" val="0"/>
-              </a:ext>
-            </a:extLst>
-          </a:blip>
-          <a:stretch>
-            <a:fillRect/>
-          </a:stretch>
-        </p:blipFill>
-        <p:spPr>
-          <a:xfrm>
-            <a:off x="5154571" y="240997"/>
-            <a:ext cx="914400" cy="914400"/>
-          </a:xfrm>
-          <a:prstGeom prst="rect">
-            <a:avLst/>
-          </a:prstGeom>
-        </p:spPr>
-      </p:pic>
-      <p:pic>
-        <p:nvPicPr>
-          <p:cNvPr id="11" name="Picture 10" descr="mantid_24.png"/>
-          <p:cNvPicPr>
-            <a:picLocks noChangeAspect="1"/>
-          </p:cNvPicPr>
-          <p:nvPr/>
-        </p:nvPicPr>
-        <p:blipFill>
-          <a:blip r:embed="rId8">
-            <a:extLst>
-              <a:ext uri="{28A0092B-C50C-407E-A947-70E740481C1C}">
-                <a14:useLocalDpi xmlns:a14="http://schemas.microsoft.com/office/drawing/2010/main" val="0"/>
-              </a:ext>
-            </a:extLst>
-          </a:blip>
-          <a:stretch>
-            <a:fillRect/>
-          </a:stretch>
-        </p:blipFill>
-        <p:spPr>
-          <a:xfrm>
-            <a:off x="4003636" y="240997"/>
-            <a:ext cx="685800" cy="685800"/>
-          </a:xfrm>
-          <a:prstGeom prst="rect">
-            <a:avLst/>
-          </a:prstGeom>
-        </p:spPr>
-      </p:pic>
-      <p:pic>
-        <p:nvPicPr>
-          <p:cNvPr id="12" name="Picture 11" descr="mantid_16.png"/>
-          <p:cNvPicPr>
-            <a:picLocks noChangeAspect="1"/>
-          </p:cNvPicPr>
-          <p:nvPr/>
-        </p:nvPicPr>
-        <p:blipFill>
-          <a:blip r:embed="rId9">
-            <a:extLst>
-              <a:ext uri="{28A0092B-C50C-407E-A947-70E740481C1C}">
-                <a14:useLocalDpi xmlns:a14="http://schemas.microsoft.com/office/drawing/2010/main" val="0"/>
-              </a:ext>
-            </a:extLst>
-          </a:blip>
-          <a:stretch>
-            <a:fillRect/>
-          </a:stretch>
-        </p:blipFill>
-        <p:spPr>
-          <a:xfrm>
-            <a:off x="3088493" y="240997"/>
-            <a:ext cx="457200" cy="457200"/>
-          </a:xfrm>
-          <a:prstGeom prst="rect">
-            <a:avLst/>
-          </a:prstGeom>
-        </p:spPr>
-      </p:pic>
-      <p:sp>
-        <p:nvSpPr>
-          <p:cNvPr id="13" name="TextBox 12"/>
-          <p:cNvSpPr txBox="1"/>
-          <p:nvPr/>
-        </p:nvSpPr>
-        <p:spPr>
-          <a:xfrm>
-            <a:off x="3220167" y="742131"/>
-            <a:ext cx="418654" cy="369332"/>
-          </a:xfrm>
-          <a:prstGeom prst="rect">
-            <a:avLst/>
-          </a:prstGeom>
-          <a:noFill/>
-        </p:spPr>
-        <p:txBody>
-          <a:bodyPr wrap="none" rtlCol="0">
-            <a:spAutoFit/>
-          </a:bodyPr>
-          <a:lstStyle/>
-          <a:p>
-            <a:r>
-              <a:rPr lang="en-US" dirty="0" smtClean="0"/>
-              <a:t>16</a:t>
-            </a:r>
-            <a:endParaRPr lang="en-US" dirty="0"/>
-          </a:p>
-        </p:txBody>
-      </p:sp>
-      <p:sp>
-        <p:nvSpPr>
-          <p:cNvPr id="14" name="TextBox 13"/>
-          <p:cNvSpPr txBox="1"/>
-          <p:nvPr/>
-        </p:nvSpPr>
-        <p:spPr>
-          <a:xfrm>
-            <a:off x="4339947" y="990431"/>
-            <a:ext cx="418654" cy="369332"/>
-          </a:xfrm>
-          <a:prstGeom prst="rect">
-            <a:avLst/>
-          </a:prstGeom>
-          <a:noFill/>
-        </p:spPr>
-        <p:txBody>
-          <a:bodyPr wrap="none" rtlCol="0">
-            <a:spAutoFit/>
-          </a:bodyPr>
-          <a:lstStyle/>
-          <a:p>
-            <a:r>
-              <a:rPr lang="en-US" dirty="0" smtClean="0"/>
-              <a:t>24</a:t>
-            </a:r>
-          </a:p>
-        </p:txBody>
-      </p:sp>
-      <p:sp>
-        <p:nvSpPr>
-          <p:cNvPr id="15" name="TextBox 14"/>
-          <p:cNvSpPr txBox="1"/>
-          <p:nvPr/>
-        </p:nvSpPr>
-        <p:spPr>
-          <a:xfrm>
-            <a:off x="5727311" y="1175051"/>
-            <a:ext cx="418654" cy="369332"/>
-          </a:xfrm>
-          <a:prstGeom prst="rect">
-            <a:avLst/>
-          </a:prstGeom>
-          <a:noFill/>
-        </p:spPr>
-        <p:txBody>
-          <a:bodyPr wrap="none" rtlCol="0">
-            <a:spAutoFit/>
-          </a:bodyPr>
-          <a:lstStyle/>
-          <a:p>
-            <a:r>
-              <a:rPr lang="en-US" dirty="0" smtClean="0"/>
-              <a:t>32</a:t>
-            </a:r>
-            <a:endParaRPr lang="en-US" dirty="0"/>
-          </a:p>
-        </p:txBody>
-      </p:sp>
-      <p:sp>
-        <p:nvSpPr>
-          <p:cNvPr id="16" name="TextBox 15"/>
-          <p:cNvSpPr txBox="1"/>
-          <p:nvPr/>
-        </p:nvSpPr>
-        <p:spPr>
-          <a:xfrm>
-            <a:off x="2115034" y="3360096"/>
-            <a:ext cx="418654" cy="369332"/>
-          </a:xfrm>
-          <a:prstGeom prst="rect">
-            <a:avLst/>
-          </a:prstGeom>
-          <a:noFill/>
-        </p:spPr>
-        <p:txBody>
-          <a:bodyPr wrap="none" rtlCol="0">
-            <a:spAutoFit/>
-          </a:bodyPr>
-          <a:lstStyle/>
-          <a:p>
-            <a:r>
-              <a:rPr lang="en-US" dirty="0" smtClean="0"/>
-              <a:t>64</a:t>
-            </a:r>
-            <a:endParaRPr lang="en-US" dirty="0"/>
-          </a:p>
-        </p:txBody>
-      </p:sp>
-      <p:sp>
-        <p:nvSpPr>
-          <p:cNvPr id="17" name="TextBox 16"/>
-          <p:cNvSpPr txBox="1"/>
-          <p:nvPr/>
-        </p:nvSpPr>
-        <p:spPr>
-          <a:xfrm>
-            <a:off x="7635498" y="1427977"/>
-            <a:ext cx="418654" cy="369332"/>
-          </a:xfrm>
-          <a:prstGeom prst="rect">
-            <a:avLst/>
-          </a:prstGeom>
-          <a:noFill/>
-        </p:spPr>
-        <p:txBody>
-          <a:bodyPr wrap="none" rtlCol="0">
-            <a:spAutoFit/>
-          </a:bodyPr>
-          <a:lstStyle/>
-          <a:p>
-            <a:r>
-              <a:rPr lang="en-US" dirty="0" smtClean="0"/>
-              <a:t>48</a:t>
-            </a:r>
-          </a:p>
-        </p:txBody>
-      </p:sp>
-      <p:sp>
-        <p:nvSpPr>
-          <p:cNvPr id="18" name="TextBox 17"/>
-          <p:cNvSpPr txBox="1"/>
-          <p:nvPr/>
-        </p:nvSpPr>
-        <p:spPr>
-          <a:xfrm>
-            <a:off x="4605519" y="3887459"/>
-            <a:ext cx="535648" cy="369332"/>
-          </a:xfrm>
-          <a:prstGeom prst="rect">
-            <a:avLst/>
-          </a:prstGeom>
-          <a:noFill/>
-        </p:spPr>
-        <p:txBody>
-          <a:bodyPr wrap="none" rtlCol="0">
-            <a:spAutoFit/>
-          </a:bodyPr>
-          <a:lstStyle/>
-          <a:p>
-            <a:r>
-              <a:rPr lang="en-US" dirty="0" smtClean="0"/>
-              <a:t>128</a:t>
-            </a:r>
-          </a:p>
-        </p:txBody>
-      </p:sp>
-      <p:sp>
-        <p:nvSpPr>
-          <p:cNvPr id="19" name="TextBox 18"/>
-          <p:cNvSpPr txBox="1"/>
-          <p:nvPr/>
-        </p:nvSpPr>
-        <p:spPr>
-          <a:xfrm>
-            <a:off x="8033477" y="5435328"/>
-            <a:ext cx="535648" cy="369332"/>
-          </a:xfrm>
-          <a:prstGeom prst="rect">
-            <a:avLst/>
-          </a:prstGeom>
-          <a:noFill/>
-        </p:spPr>
-        <p:txBody>
-          <a:bodyPr wrap="none" rtlCol="0">
-            <a:spAutoFit/>
-          </a:bodyPr>
-          <a:lstStyle/>
-          <a:p>
-            <a:r>
-              <a:rPr lang="en-US" dirty="0" smtClean="0"/>
-              <a:t>256</a:t>
-            </a:r>
-            <a:endParaRPr lang="en-US" dirty="0"/>
-          </a:p>
-        </p:txBody>
-      </p:sp>
-    </p:spTree>
-    <p:extLst>
-      <p:ext uri="{BB962C8B-B14F-4D97-AF65-F5344CB8AC3E}">
-        <p14:creationId xmlns:p14="http://schemas.microsoft.com/office/powerpoint/2010/main" val="2029915238"/>
       </p:ext>
     </p:extLst>
   </p:cSld>

--- a/Presentations/DevMeeting20120208_stablemaster.pptx
+++ b/Presentations/DevMeeting20120208_stablemaster.pptx
@@ -22,6 +22,7 @@
     <p:sldId id="270" r:id="rId16"/>
     <p:sldId id="271" r:id="rId17"/>
     <p:sldId id="263" r:id="rId18"/>
+    <p:sldId id="274" r:id="rId19"/>
   </p:sldIdLst>
   <p:sldSz cx="9144000" cy="6858000" type="screen4x3"/>
   <p:notesSz cx="6858000" cy="9144000"/>
@@ -4168,6 +4169,60 @@
     <p:extLst>
       <p:ext uri="{BB962C8B-B14F-4D97-AF65-F5344CB8AC3E}">
         <p14:creationId xmlns:p14="http://schemas.microsoft.com/office/powerpoint/2010/main" val="3511011769"/>
+      </p:ext>
+    </p:extLst>
+  </p:cSld>
+  <p:clrMapOvr>
+    <a:masterClrMapping/>
+  </p:clrMapOvr>
+</p:sld>
+</file>
+
+<file path=ppt/slides/slide18.xml><?xml version="1.0" encoding="utf-8"?>
+<p:sld xmlns:a="http://schemas.openxmlformats.org/drawingml/2006/main" xmlns:r="http://schemas.openxmlformats.org/officeDocument/2006/relationships" xmlns:p="http://schemas.openxmlformats.org/presentationml/2006/main">
+  <p:cSld>
+    <p:spTree>
+      <p:nvGrpSpPr>
+        <p:cNvPr id="1" name=""/>
+        <p:cNvGrpSpPr/>
+        <p:nvPr/>
+      </p:nvGrpSpPr>
+      <p:grpSpPr>
+        <a:xfrm>
+          <a:off x="0" y="0"/>
+          <a:ext cx="0" cy="0"/>
+          <a:chOff x="0" y="0"/>
+          <a:chExt cx="0" cy="0"/>
+        </a:xfrm>
+      </p:grpSpPr>
+      <p:pic>
+        <p:nvPicPr>
+          <p:cNvPr id="4" name="Picture 3"/>
+          <p:cNvPicPr>
+            <a:picLocks noChangeAspect="1"/>
+          </p:cNvPicPr>
+          <p:nvPr/>
+        </p:nvPicPr>
+        <p:blipFill>
+          <a:blip r:embed="rId2"/>
+          <a:stretch>
+            <a:fillRect/>
+          </a:stretch>
+        </p:blipFill>
+        <p:spPr>
+          <a:xfrm>
+            <a:off x="0" y="355600"/>
+            <a:ext cx="9144000" cy="6135863"/>
+          </a:xfrm>
+          <a:prstGeom prst="rect">
+            <a:avLst/>
+          </a:prstGeom>
+        </p:spPr>
+      </p:pic>
+    </p:spTree>
+    <p:extLst>
+      <p:ext uri="{BB962C8B-B14F-4D97-AF65-F5344CB8AC3E}">
+        <p14:creationId xmlns:p14="http://schemas.microsoft.com/office/powerpoint/2010/main" val="3195434857"/>
       </p:ext>
     </p:extLst>
   </p:cSld>
